--- a/산출물/화면설계서/08_화면설계서_로그아웃_0.4.pptx
+++ b/산출물/화면설계서/08_화면설계서_로그아웃_0.4.pptx
@@ -12379,14 +12379,14 @@
           <p:nvPr>
             <p:extLst>
               <p:ext uri="{D42A27DB-BD31-4B8C-83A1-F6EECF244321}">
-                <p14:modId xmlns:p14="http://schemas.microsoft.com/office/powerpoint/2010/main" val="2963999490"/>
+                <p14:modId xmlns:p14="http://schemas.microsoft.com/office/powerpoint/2010/main" val="2140654246"/>
               </p:ext>
             </p:extLst>
           </p:nvPr>
         </p:nvGraphicFramePr>
         <p:xfrm>
           <a:off x="6732240" y="2747800"/>
-          <a:ext cx="2306086" cy="807720"/>
+          <a:ext cx="2306086" cy="1112520"/>
         </p:xfrm>
         <a:graphic>
           <a:graphicData uri="http://schemas.openxmlformats.org/drawingml/2006/table">
@@ -13051,7 +13051,17 @@
                           <a:latin typeface="맑은 고딕" pitchFamily="50" charset="-127"/>
                           <a:ea typeface="맑은 고딕" pitchFamily="50" charset="-127"/>
                         </a:rPr>
-                        <a:t> 위에 뜬다</a:t>
+                        <a:t> </a:t>
+                      </a:r>
+                      <a:r>
+                        <a:rPr lang="ko-KR" altLang="en-US" sz="700" dirty="0" smtClean="0">
+                          <a:solidFill>
+                            <a:srgbClr val="333333"/>
+                          </a:solidFill>
+                          <a:latin typeface="맑은 고딕" pitchFamily="50" charset="-127"/>
+                          <a:ea typeface="맑은 고딕" pitchFamily="50" charset="-127"/>
+                        </a:rPr>
+                        <a:t>위쪽에 뜨도록 한다</a:t>
                       </a:r>
                       <a:r>
                         <a:rPr lang="en-US" altLang="ko-KR" sz="700" dirty="0" smtClean="0">
@@ -13123,6 +13133,185 @@
                 <a:extLst>
                   <a:ext uri="{0D108BD9-81ED-4DB2-BD59-A6C34878D82A}">
                     <a16:rowId xmlns:a16="http://schemas.microsoft.com/office/drawing/2014/main" val="122895390"/>
+                  </a:ext>
+                </a:extLst>
+              </a:tr>
+              <a:tr h="152400">
+                <a:tc>
+                  <a:txBody>
+                    <a:bodyPr/>
+                    <a:lstStyle/>
+                    <a:p>
+                      <a:pPr algn="ctr" latinLnBrk="1"/>
+                      <a:r>
+                        <a:rPr lang="en-US" altLang="ko-KR" sz="700" dirty="0" smtClean="0">
+                          <a:solidFill>
+                            <a:srgbClr val="333333"/>
+                          </a:solidFill>
+                          <a:latin typeface="맑은 고딕" pitchFamily="50" charset="-127"/>
+                          <a:ea typeface="맑은 고딕" pitchFamily="50" charset="-127"/>
+                        </a:rPr>
+                        <a:t>2</a:t>
+                      </a:r>
+                      <a:endParaRPr lang="ko-KR" altLang="en-US" sz="700" dirty="0">
+                        <a:solidFill>
+                          <a:srgbClr val="333333"/>
+                        </a:solidFill>
+                        <a:latin typeface="맑은 고딕" pitchFamily="50" charset="-127"/>
+                        <a:ea typeface="맑은 고딕" pitchFamily="50" charset="-127"/>
+                      </a:endParaRPr>
+                    </a:p>
+                  </a:txBody>
+                  <a:tcPr anchor="ctr">
+                    <a:lnL w="3175" cap="flat" cmpd="sng" algn="ctr">
+                      <a:solidFill>
+                        <a:schemeClr val="tx1"/>
+                      </a:solidFill>
+                      <a:prstDash val="solid"/>
+                      <a:round/>
+                      <a:headEnd type="none" w="med" len="med"/>
+                      <a:tailEnd type="none" w="med" len="med"/>
+                    </a:lnL>
+                    <a:lnR w="3175" cap="flat" cmpd="sng" algn="ctr">
+                      <a:solidFill>
+                        <a:schemeClr val="tx1"/>
+                      </a:solidFill>
+                      <a:prstDash val="solid"/>
+                      <a:round/>
+                      <a:headEnd type="none" w="med" len="med"/>
+                      <a:tailEnd type="none" w="med" len="med"/>
+                    </a:lnR>
+                    <a:lnT w="3175" cap="flat" cmpd="sng" algn="ctr">
+                      <a:solidFill>
+                        <a:schemeClr val="tx1"/>
+                      </a:solidFill>
+                      <a:prstDash val="solid"/>
+                      <a:round/>
+                      <a:headEnd type="none" w="med" len="med"/>
+                      <a:tailEnd type="none" w="med" len="med"/>
+                    </a:lnT>
+                    <a:lnB w="3175" cap="flat" cmpd="sng" algn="ctr">
+                      <a:solidFill>
+                        <a:schemeClr val="tx1"/>
+                      </a:solidFill>
+                      <a:prstDash val="solid"/>
+                      <a:round/>
+                      <a:headEnd type="none" w="med" len="med"/>
+                      <a:tailEnd type="none" w="med" len="med"/>
+                    </a:lnB>
+                    <a:lnTlToBr w="12700" cmpd="sng">
+                      <a:noFill/>
+                      <a:prstDash val="solid"/>
+                    </a:lnTlToBr>
+                    <a:lnBlToTr w="12700" cmpd="sng">
+                      <a:noFill/>
+                      <a:prstDash val="solid"/>
+                    </a:lnBlToTr>
+                    <a:noFill/>
+                  </a:tcPr>
+                </a:tc>
+                <a:tc>
+                  <a:txBody>
+                    <a:bodyPr/>
+                    <a:lstStyle/>
+                    <a:p>
+                      <a:pPr marL="0" marR="0" indent="0" algn="l" defTabSz="914400" rtl="0" eaLnBrk="1" fontAlgn="auto" latinLnBrk="1" hangingPunct="1">
+                        <a:lnSpc>
+                          <a:spcPct val="100000"/>
+                        </a:lnSpc>
+                        <a:spcBef>
+                          <a:spcPts val="0"/>
+                        </a:spcBef>
+                        <a:spcAft>
+                          <a:spcPts val="0"/>
+                        </a:spcAft>
+                        <a:buClrTx/>
+                        <a:buSzTx/>
+                        <a:buFontTx/>
+                        <a:buNone/>
+                        <a:tabLst/>
+                        <a:defRPr/>
+                      </a:pPr>
+                      <a:r>
+                        <a:rPr lang="ko-KR" altLang="en-US" sz="700" dirty="0" smtClean="0">
+                          <a:solidFill>
+                            <a:srgbClr val="333333"/>
+                          </a:solidFill>
+                          <a:latin typeface="맑은 고딕" pitchFamily="50" charset="-127"/>
+                          <a:ea typeface="맑은 고딕" pitchFamily="50" charset="-127"/>
+                        </a:rPr>
+                        <a:t>가장 최근에 일어난 일이 위로 오도록 한다</a:t>
+                      </a:r>
+                      <a:r>
+                        <a:rPr lang="en-US" altLang="ko-KR" sz="700" dirty="0" smtClean="0">
+                          <a:solidFill>
+                            <a:srgbClr val="333333"/>
+                          </a:solidFill>
+                          <a:latin typeface="맑은 고딕" pitchFamily="50" charset="-127"/>
+                          <a:ea typeface="맑은 고딕" pitchFamily="50" charset="-127"/>
+                        </a:rPr>
+                        <a:t>.</a:t>
+                      </a:r>
+                      <a:endParaRPr lang="ko-KR" altLang="en-US" sz="700" dirty="0">
+                        <a:solidFill>
+                          <a:srgbClr val="333333"/>
+                        </a:solidFill>
+                        <a:latin typeface="맑은 고딕" pitchFamily="50" charset="-127"/>
+                        <a:ea typeface="맑은 고딕" pitchFamily="50" charset="-127"/>
+                      </a:endParaRPr>
+                    </a:p>
+                  </a:txBody>
+                  <a:tcPr anchor="ctr">
+                    <a:lnL w="3175" cap="flat" cmpd="sng" algn="ctr">
+                      <a:solidFill>
+                        <a:schemeClr val="tx1"/>
+                      </a:solidFill>
+                      <a:prstDash val="solid"/>
+                      <a:round/>
+                      <a:headEnd type="none" w="med" len="med"/>
+                      <a:tailEnd type="none" w="med" len="med"/>
+                    </a:lnL>
+                    <a:lnR w="3175" cap="flat" cmpd="sng" algn="ctr">
+                      <a:solidFill>
+                        <a:schemeClr val="tx1"/>
+                      </a:solidFill>
+                      <a:prstDash val="solid"/>
+                      <a:round/>
+                      <a:headEnd type="none" w="med" len="med"/>
+                      <a:tailEnd type="none" w="med" len="med"/>
+                    </a:lnR>
+                    <a:lnT w="3175" cap="flat" cmpd="sng" algn="ctr">
+                      <a:solidFill>
+                        <a:schemeClr val="tx1"/>
+                      </a:solidFill>
+                      <a:prstDash val="solid"/>
+                      <a:round/>
+                      <a:headEnd type="none" w="med" len="med"/>
+                      <a:tailEnd type="none" w="med" len="med"/>
+                    </a:lnT>
+                    <a:lnB w="3175" cap="flat" cmpd="sng" algn="ctr">
+                      <a:solidFill>
+                        <a:schemeClr val="tx1"/>
+                      </a:solidFill>
+                      <a:prstDash val="solid"/>
+                      <a:round/>
+                      <a:headEnd type="none" w="med" len="med"/>
+                      <a:tailEnd type="none" w="med" len="med"/>
+                    </a:lnB>
+                    <a:lnTlToBr w="12700" cmpd="sng">
+                      <a:noFill/>
+                      <a:prstDash val="solid"/>
+                    </a:lnTlToBr>
+                    <a:lnBlToTr w="12700" cmpd="sng">
+                      <a:noFill/>
+                      <a:prstDash val="solid"/>
+                    </a:lnBlToTr>
+                    <a:noFill/>
+                  </a:tcPr>
+                </a:tc>
+                <a:extLst>
+                  <a:ext uri="{0D108BD9-81ED-4DB2-BD59-A6C34878D82A}">
+                    <a16:rowId xmlns:a16="http://schemas.microsoft.com/office/drawing/2014/main" val="1044124945"/>
                   </a:ext>
                 </a:extLst>
               </a:tr>
